--- a/payments/direct-mode-sample.pptx
+++ b/payments/direct-mode-sample.pptx
@@ -7,7 +7,7 @@
   <p:sldIdLst>
     <p:sldId id="256" r:id="rId2"/>
   </p:sldIdLst>
-  <p:sldSz cx="6480175" cy="4500563"/>
+  <p:sldSz cx="6769100" cy="4500563"/>
   <p:notesSz cx="6858000" cy="9144000"/>
   <p:defaultTextStyle>
     <a:defPPr>
@@ -136,8 +136,8 @@
         </p:nvSpPr>
         <p:spPr>
           <a:xfrm>
-            <a:off x="486017" y="1398094"/>
-            <a:ext cx="5508149" cy="964704"/>
+            <a:off x="507687" y="1398094"/>
+            <a:ext cx="5753735" cy="964704"/>
           </a:xfrm>
         </p:spPr>
         <p:txBody>
@@ -164,8 +164,8 @@
         </p:nvSpPr>
         <p:spPr>
           <a:xfrm>
-            <a:off x="972026" y="2550320"/>
-            <a:ext cx="4536123" cy="1150144"/>
+            <a:off x="1015366" y="2550320"/>
+            <a:ext cx="4738371" cy="1150144"/>
           </a:xfrm>
         </p:spPr>
         <p:txBody>
@@ -288,7 +288,7 @@
           <a:p>
             <a:fld id="{FE398CD6-77FF-42E1-B299-E17665EBA674}" type="datetimeFigureOut">
               <a:rPr lang="en-US" smtClean="0"/>
-              <a:t>2020-06-21</a:t>
+              <a:t>2020-07-09</a:t>
             </a:fld>
             <a:endParaRPr lang="en-US"/>
           </a:p>
@@ -458,7 +458,7 @@
           <a:p>
             <a:fld id="{FE398CD6-77FF-42E1-B299-E17665EBA674}" type="datetimeFigureOut">
               <a:rPr lang="en-US" smtClean="0"/>
-              <a:t>2020-06-21</a:t>
+              <a:t>2020-07-09</a:t>
             </a:fld>
             <a:endParaRPr lang="en-US"/>
           </a:p>
@@ -548,8 +548,8 @@
         </p:nvSpPr>
         <p:spPr>
           <a:xfrm>
-            <a:off x="4698130" y="180232"/>
-            <a:ext cx="1458040" cy="3840064"/>
+            <a:off x="4907602" y="180232"/>
+            <a:ext cx="1523048" cy="3840064"/>
           </a:xfrm>
         </p:spPr>
         <p:txBody>
@@ -576,8 +576,8 @@
         </p:nvSpPr>
         <p:spPr>
           <a:xfrm>
-            <a:off x="324013" y="180232"/>
-            <a:ext cx="4266116" cy="3840064"/>
+            <a:off x="338459" y="180232"/>
+            <a:ext cx="4456325" cy="3840064"/>
           </a:xfrm>
         </p:spPr>
         <p:txBody>
@@ -638,7 +638,7 @@
           <a:p>
             <a:fld id="{FE398CD6-77FF-42E1-B299-E17665EBA674}" type="datetimeFigureOut">
               <a:rPr lang="en-US" smtClean="0"/>
-              <a:t>2020-06-21</a:t>
+              <a:t>2020-07-09</a:t>
             </a:fld>
             <a:endParaRPr lang="en-US"/>
           </a:p>
@@ -808,7 +808,7 @@
           <a:p>
             <a:fld id="{FE398CD6-77FF-42E1-B299-E17665EBA674}" type="datetimeFigureOut">
               <a:rPr lang="en-US" smtClean="0"/>
-              <a:t>2020-06-21</a:t>
+              <a:t>2020-07-09</a:t>
             </a:fld>
             <a:endParaRPr lang="en-US"/>
           </a:p>
@@ -898,8 +898,8 @@
         </p:nvSpPr>
         <p:spPr>
           <a:xfrm>
-            <a:off x="511893" y="2892029"/>
-            <a:ext cx="5508149" cy="893862"/>
+            <a:off x="534717" y="2892029"/>
+            <a:ext cx="5753735" cy="893862"/>
           </a:xfrm>
         </p:spPr>
         <p:txBody>
@@ -930,8 +930,8 @@
         </p:nvSpPr>
         <p:spPr>
           <a:xfrm>
-            <a:off x="511893" y="1907533"/>
-            <a:ext cx="5508149" cy="984498"/>
+            <a:off x="534717" y="1907533"/>
+            <a:ext cx="5753735" cy="984498"/>
           </a:xfrm>
         </p:spPr>
         <p:txBody>
@@ -1054,7 +1054,7 @@
           <a:p>
             <a:fld id="{FE398CD6-77FF-42E1-B299-E17665EBA674}" type="datetimeFigureOut">
               <a:rPr lang="en-US" smtClean="0"/>
-              <a:t>2020-06-21</a:t>
+              <a:t>2020-07-09</a:t>
             </a:fld>
             <a:endParaRPr lang="en-US"/>
           </a:p>
@@ -1167,8 +1167,8 @@
         </p:nvSpPr>
         <p:spPr>
           <a:xfrm>
-            <a:off x="324009" y="1050132"/>
-            <a:ext cx="2862078" cy="2970164"/>
+            <a:off x="338457" y="1050132"/>
+            <a:ext cx="2989686" cy="2970164"/>
           </a:xfrm>
         </p:spPr>
         <p:txBody>
@@ -1252,8 +1252,8 @@
         </p:nvSpPr>
         <p:spPr>
           <a:xfrm>
-            <a:off x="3294088" y="1050132"/>
-            <a:ext cx="2862078" cy="2970164"/>
+            <a:off x="3440958" y="1050132"/>
+            <a:ext cx="2989686" cy="2970164"/>
           </a:xfrm>
         </p:spPr>
         <p:txBody>
@@ -1342,7 +1342,7 @@
           <a:p>
             <a:fld id="{FE398CD6-77FF-42E1-B299-E17665EBA674}" type="datetimeFigureOut">
               <a:rPr lang="en-US" smtClean="0"/>
-              <a:t>2020-06-21</a:t>
+              <a:t>2020-07-09</a:t>
             </a:fld>
             <a:endParaRPr lang="en-US"/>
           </a:p>
@@ -1459,8 +1459,8 @@
         </p:nvSpPr>
         <p:spPr>
           <a:xfrm>
-            <a:off x="324009" y="1007419"/>
-            <a:ext cx="2863203" cy="419845"/>
+            <a:off x="338456" y="1007421"/>
+            <a:ext cx="2990862" cy="419845"/>
           </a:xfrm>
         </p:spPr>
         <p:txBody>
@@ -1524,8 +1524,8 @@
         </p:nvSpPr>
         <p:spPr>
           <a:xfrm>
-            <a:off x="324009" y="1427263"/>
-            <a:ext cx="2863203" cy="2593033"/>
+            <a:off x="338456" y="1427265"/>
+            <a:ext cx="2990862" cy="2593033"/>
           </a:xfrm>
         </p:spPr>
         <p:txBody>
@@ -1609,8 +1609,8 @@
         </p:nvSpPr>
         <p:spPr>
           <a:xfrm>
-            <a:off x="3291838" y="1007419"/>
-            <a:ext cx="2864328" cy="419845"/>
+            <a:off x="3438609" y="1007421"/>
+            <a:ext cx="2992037" cy="419845"/>
           </a:xfrm>
         </p:spPr>
         <p:txBody>
@@ -1674,8 +1674,8 @@
         </p:nvSpPr>
         <p:spPr>
           <a:xfrm>
-            <a:off x="3291838" y="1427263"/>
-            <a:ext cx="2864328" cy="2593033"/>
+            <a:off x="3438609" y="1427265"/>
+            <a:ext cx="2992037" cy="2593033"/>
           </a:xfrm>
         </p:spPr>
         <p:txBody>
@@ -1764,7 +1764,7 @@
           <a:p>
             <a:fld id="{FE398CD6-77FF-42E1-B299-E17665EBA674}" type="datetimeFigureOut">
               <a:rPr lang="en-US" smtClean="0"/>
-              <a:t>2020-06-21</a:t>
+              <a:t>2020-07-09</a:t>
             </a:fld>
             <a:endParaRPr lang="en-US"/>
           </a:p>
@@ -1882,7 +1882,7 @@
           <a:p>
             <a:fld id="{FE398CD6-77FF-42E1-B299-E17665EBA674}" type="datetimeFigureOut">
               <a:rPr lang="en-US" smtClean="0"/>
-              <a:t>2020-06-21</a:t>
+              <a:t>2020-07-09</a:t>
             </a:fld>
             <a:endParaRPr lang="en-US"/>
           </a:p>
@@ -1977,7 +1977,7 @@
           <a:p>
             <a:fld id="{FE398CD6-77FF-42E1-B299-E17665EBA674}" type="datetimeFigureOut">
               <a:rPr lang="en-US" smtClean="0"/>
-              <a:t>2020-06-21</a:t>
+              <a:t>2020-07-09</a:t>
             </a:fld>
             <a:endParaRPr lang="en-US"/>
           </a:p>
@@ -2067,8 +2067,8 @@
         </p:nvSpPr>
         <p:spPr>
           <a:xfrm>
-            <a:off x="324010" y="179191"/>
-            <a:ext cx="2131932" cy="762595"/>
+            <a:off x="338456" y="179193"/>
+            <a:ext cx="2226986" cy="762595"/>
           </a:xfrm>
         </p:spPr>
         <p:txBody>
@@ -2099,8 +2099,8 @@
         </p:nvSpPr>
         <p:spPr>
           <a:xfrm>
-            <a:off x="2533572" y="179192"/>
-            <a:ext cx="3622598" cy="3841105"/>
+            <a:off x="2646534" y="179194"/>
+            <a:ext cx="3784115" cy="3841105"/>
           </a:xfrm>
         </p:spPr>
         <p:txBody>
@@ -2184,8 +2184,8 @@
         </p:nvSpPr>
         <p:spPr>
           <a:xfrm>
-            <a:off x="324010" y="941785"/>
-            <a:ext cx="2131932" cy="3078510"/>
+            <a:off x="338456" y="941785"/>
+            <a:ext cx="2226986" cy="3078510"/>
           </a:xfrm>
         </p:spPr>
         <p:txBody>
@@ -2254,7 +2254,7 @@
           <a:p>
             <a:fld id="{FE398CD6-77FF-42E1-B299-E17665EBA674}" type="datetimeFigureOut">
               <a:rPr lang="en-US" smtClean="0"/>
-              <a:t>2020-06-21</a:t>
+              <a:t>2020-07-09</a:t>
             </a:fld>
             <a:endParaRPr lang="en-US"/>
           </a:p>
@@ -2344,8 +2344,8 @@
         </p:nvSpPr>
         <p:spPr>
           <a:xfrm>
-            <a:off x="1270160" y="3150394"/>
-            <a:ext cx="3888105" cy="371922"/>
+            <a:off x="1326792" y="3150394"/>
+            <a:ext cx="4061460" cy="371922"/>
           </a:xfrm>
         </p:spPr>
         <p:txBody>
@@ -2376,8 +2376,8 @@
         </p:nvSpPr>
         <p:spPr>
           <a:xfrm>
-            <a:off x="1270160" y="402133"/>
-            <a:ext cx="3888105" cy="2700338"/>
+            <a:off x="1326792" y="402133"/>
+            <a:ext cx="4061460" cy="2700338"/>
           </a:xfrm>
         </p:spPr>
         <p:txBody>
@@ -2437,8 +2437,8 @@
         </p:nvSpPr>
         <p:spPr>
           <a:xfrm>
-            <a:off x="1270160" y="3522317"/>
-            <a:ext cx="3888105" cy="528190"/>
+            <a:off x="1326792" y="3522317"/>
+            <a:ext cx="4061460" cy="528190"/>
           </a:xfrm>
         </p:spPr>
         <p:txBody>
@@ -2507,7 +2507,7 @@
           <a:p>
             <a:fld id="{FE398CD6-77FF-42E1-B299-E17665EBA674}" type="datetimeFigureOut">
               <a:rPr lang="en-US" smtClean="0"/>
-              <a:t>2020-06-21</a:t>
+              <a:t>2020-07-09</a:t>
             </a:fld>
             <a:endParaRPr lang="en-US"/>
           </a:p>
@@ -2602,8 +2602,8 @@
         </p:nvSpPr>
         <p:spPr>
           <a:xfrm>
-            <a:off x="324009" y="180231"/>
-            <a:ext cx="5832158" cy="750094"/>
+            <a:off x="338457" y="180231"/>
+            <a:ext cx="6092190" cy="750094"/>
           </a:xfrm>
           <a:prstGeom prst="rect">
             <a:avLst/>
@@ -2635,8 +2635,8 @@
         </p:nvSpPr>
         <p:spPr>
           <a:xfrm>
-            <a:off x="324009" y="1050132"/>
-            <a:ext cx="5832158" cy="2970164"/>
+            <a:off x="338457" y="1050132"/>
+            <a:ext cx="6092190" cy="2970164"/>
           </a:xfrm>
           <a:prstGeom prst="rect">
             <a:avLst/>
@@ -2697,8 +2697,8 @@
         </p:nvSpPr>
         <p:spPr>
           <a:xfrm>
-            <a:off x="324009" y="4171358"/>
-            <a:ext cx="1512041" cy="239613"/>
+            <a:off x="338456" y="4171360"/>
+            <a:ext cx="1579457" cy="239613"/>
           </a:xfrm>
           <a:prstGeom prst="rect">
             <a:avLst/>
@@ -2720,7 +2720,7 @@
           <a:p>
             <a:fld id="{FE398CD6-77FF-42E1-B299-E17665EBA674}" type="datetimeFigureOut">
               <a:rPr lang="en-US" smtClean="0"/>
-              <a:t>2020-06-21</a:t>
+              <a:t>2020-07-09</a:t>
             </a:fld>
             <a:endParaRPr lang="en-US"/>
           </a:p>
@@ -2738,8 +2738,8 @@
         </p:nvSpPr>
         <p:spPr>
           <a:xfrm>
-            <a:off x="2214064" y="4171358"/>
-            <a:ext cx="2052055" cy="239613"/>
+            <a:off x="2312781" y="4171360"/>
+            <a:ext cx="2143548" cy="239613"/>
           </a:xfrm>
           <a:prstGeom prst="rect">
             <a:avLst/>
@@ -2775,8 +2775,8 @@
         </p:nvSpPr>
         <p:spPr>
           <a:xfrm>
-            <a:off x="4644125" y="4171358"/>
-            <a:ext cx="1512041" cy="239613"/>
+            <a:off x="4851188" y="4171360"/>
+            <a:ext cx="1579457" cy="239613"/>
           </a:xfrm>
           <a:prstGeom prst="rect">
             <a:avLst/>
@@ -3097,7 +3097,7 @@
       </p:grpSpPr>
       <p:sp>
         <p:nvSpPr>
-          <p:cNvPr id="328" name="Down Arrow 327"/>
+          <p:cNvPr id="102" name="Down Arrow 101"/>
           <p:cNvSpPr/>
           <p:nvPr/>
         </p:nvSpPr>
@@ -3162,7 +3162,7 @@
       </p:sp>
       <p:sp>
         <p:nvSpPr>
-          <p:cNvPr id="329" name="AutoShape 7"/>
+          <p:cNvPr id="103" name="AutoShape 7"/>
           <p:cNvSpPr>
             <a:spLocks noChangeArrowheads="1"/>
           </p:cNvSpPr>
@@ -3226,7 +3226,7 @@
       </p:sp>
       <p:cxnSp>
         <p:nvCxnSpPr>
-          <p:cNvPr id="330" name="Straight Connector 329"/>
+          <p:cNvPr id="104" name="Straight Connector 103"/>
           <p:cNvCxnSpPr/>
           <p:nvPr/>
         </p:nvCxnSpPr>
@@ -3262,7 +3262,7 @@
       </p:cxnSp>
       <p:sp>
         <p:nvSpPr>
-          <p:cNvPr id="331" name="Rounded Rectangle 330"/>
+          <p:cNvPr id="105" name="Rounded Rectangle 104"/>
           <p:cNvSpPr/>
           <p:nvPr/>
         </p:nvSpPr>
@@ -3308,7 +3308,7 @@
       </p:sp>
       <p:sp>
         <p:nvSpPr>
-          <p:cNvPr id="332" name="Oval 331"/>
+          <p:cNvPr id="106" name="Oval 105"/>
           <p:cNvSpPr/>
           <p:nvPr/>
         </p:nvSpPr>
@@ -3408,7 +3408,7 @@
       </p:sp>
       <p:sp>
         <p:nvSpPr>
-          <p:cNvPr id="333" name="Rectangle 332"/>
+          <p:cNvPr id="107" name="Rectangle 106"/>
           <p:cNvSpPr/>
           <p:nvPr/>
         </p:nvSpPr>
@@ -3470,7 +3470,7 @@
       </p:sp>
       <p:cxnSp>
         <p:nvCxnSpPr>
-          <p:cNvPr id="334" name="Straight Connector 333"/>
+          <p:cNvPr id="108" name="Straight Connector 107"/>
           <p:cNvCxnSpPr/>
           <p:nvPr/>
         </p:nvCxnSpPr>
@@ -3508,7 +3508,7 @@
       </p:cxnSp>
       <p:grpSp>
         <p:nvGrpSpPr>
-          <p:cNvPr id="335" name="Group 334"/>
+          <p:cNvPr id="109" name="Group 108"/>
           <p:cNvGrpSpPr/>
           <p:nvPr/>
         </p:nvGrpSpPr>
@@ -3529,7 +3529,7 @@
         </p:grpSpPr>
         <p:sp>
           <p:nvSpPr>
-            <p:cNvPr id="336" name="AutoShape 3"/>
+            <p:cNvPr id="110" name="AutoShape 3"/>
             <p:cNvSpPr>
               <a:spLocks noChangeAspect="1" noChangeArrowheads="1" noTextEdit="1"/>
             </p:cNvSpPr>
@@ -3581,7 +3581,7 @@
         </p:sp>
         <p:sp>
           <p:nvSpPr>
-            <p:cNvPr id="337" name="Rectangle 336"/>
+            <p:cNvPr id="111" name="Rectangle 110"/>
             <p:cNvSpPr/>
             <p:nvPr/>
           </p:nvSpPr>
@@ -3650,7 +3650,7 @@
         </p:sp>
         <p:sp>
           <p:nvSpPr>
-            <p:cNvPr id="338" name="Rectangle 337"/>
+            <p:cNvPr id="112" name="Rectangle 111"/>
             <p:cNvSpPr/>
             <p:nvPr/>
           </p:nvSpPr>
@@ -3719,7 +3719,7 @@
         </p:sp>
         <p:sp>
           <p:nvSpPr>
-            <p:cNvPr id="339" name="Rectangle 338"/>
+            <p:cNvPr id="113" name="Rectangle 112"/>
             <p:cNvSpPr/>
             <p:nvPr/>
           </p:nvSpPr>
@@ -3788,7 +3788,7 @@
         </p:sp>
         <p:sp>
           <p:nvSpPr>
-            <p:cNvPr id="340" name="Rectangle 339"/>
+            <p:cNvPr id="114" name="Rectangle 113"/>
             <p:cNvSpPr/>
             <p:nvPr/>
           </p:nvSpPr>
@@ -3857,7 +3857,7 @@
         </p:sp>
         <p:sp>
           <p:nvSpPr>
-            <p:cNvPr id="341" name="Freeform 10"/>
+            <p:cNvPr id="115" name="Freeform 10"/>
             <p:cNvSpPr>
               <a:spLocks/>
             </p:cNvSpPr>
@@ -3932,7 +3932,7 @@
         </p:sp>
         <p:sp>
           <p:nvSpPr>
-            <p:cNvPr id="342" name="Freeform 11"/>
+            <p:cNvPr id="116" name="Freeform 11"/>
             <p:cNvSpPr>
               <a:spLocks/>
             </p:cNvSpPr>
@@ -4014,7 +4014,7 @@
         </p:sp>
         <p:sp>
           <p:nvSpPr>
-            <p:cNvPr id="343" name="Rectangle 12"/>
+            <p:cNvPr id="117" name="Rectangle 12"/>
             <p:cNvSpPr>
               <a:spLocks noChangeArrowheads="1"/>
             </p:cNvSpPr>
@@ -4055,7 +4055,7 @@
         </p:sp>
         <p:sp>
           <p:nvSpPr>
-            <p:cNvPr id="344" name="Rectangle 13"/>
+            <p:cNvPr id="118" name="Rectangle 13"/>
             <p:cNvSpPr>
               <a:spLocks noChangeArrowheads="1"/>
             </p:cNvSpPr>
@@ -4096,7 +4096,7 @@
         </p:sp>
         <p:sp>
           <p:nvSpPr>
-            <p:cNvPr id="345" name="Rectangle 14"/>
+            <p:cNvPr id="119" name="Rectangle 14"/>
             <p:cNvSpPr>
               <a:spLocks noChangeArrowheads="1"/>
             </p:cNvSpPr>
@@ -4138,7 +4138,7 @@
       </p:grpSp>
       <p:sp>
         <p:nvSpPr>
-          <p:cNvPr id="346" name="Rectangle 345"/>
+          <p:cNvPr id="120" name="Rectangle 119"/>
           <p:cNvSpPr/>
           <p:nvPr/>
         </p:nvSpPr>
@@ -4200,7 +4200,7 @@
       </p:sp>
       <p:sp>
         <p:nvSpPr>
-          <p:cNvPr id="347" name="Freeform 346"/>
+          <p:cNvPr id="121" name="Freeform 120"/>
           <p:cNvSpPr/>
           <p:nvPr/>
         </p:nvSpPr>
@@ -4843,7 +4843,7 @@
       </p:sp>
       <p:sp>
         <p:nvSpPr>
-          <p:cNvPr id="348" name="Rectangle 347"/>
+          <p:cNvPr id="122" name="Rectangle 121"/>
           <p:cNvSpPr/>
           <p:nvPr/>
         </p:nvSpPr>
@@ -4925,7 +4925,7 @@
       </p:sp>
       <p:sp>
         <p:nvSpPr>
-          <p:cNvPr id="349" name="Rounded Rectangle 348"/>
+          <p:cNvPr id="123" name="Rounded Rectangle 122"/>
           <p:cNvSpPr/>
           <p:nvPr/>
         </p:nvSpPr>
@@ -5000,7 +5000,7 @@
       </p:sp>
       <p:sp>
         <p:nvSpPr>
-          <p:cNvPr id="350" name="Rectangle 349"/>
+          <p:cNvPr id="124" name="Rectangle 123"/>
           <p:cNvSpPr/>
           <p:nvPr/>
         </p:nvSpPr>
@@ -5081,7 +5081,7 @@
       </p:sp>
       <p:pic>
         <p:nvPicPr>
-          <p:cNvPr id="351" name="Picture 6" descr="C:\Users\Anders\AppData\Local\Microsoft\Windows\INetCache\IE\10FYNQXY\Crystal_Clear_kdm_user_female[1].png"/>
+          <p:cNvPr id="125" name="Picture 6" descr="C:\Users\Anders\AppData\Local\Microsoft\Windows\INetCache\IE\10FYNQXY\Crystal_Clear_kdm_user_female[1].png"/>
           <p:cNvPicPr>
             <a:picLocks noChangeAspect="1" noChangeArrowheads="1"/>
           </p:cNvPicPr>
@@ -5129,7 +5129,7 @@
       </p:pic>
       <p:sp>
         <p:nvSpPr>
-          <p:cNvPr id="352" name="Rectangle 351"/>
+          <p:cNvPr id="126" name="Rectangle 125"/>
           <p:cNvSpPr/>
           <p:nvPr/>
         </p:nvSpPr>
@@ -5217,14 +5217,14 @@
       </p:sp>
       <p:sp>
         <p:nvSpPr>
-          <p:cNvPr id="353" name="Rectangle 352"/>
+          <p:cNvPr id="127" name="Rectangle 126"/>
           <p:cNvSpPr/>
           <p:nvPr/>
         </p:nvSpPr>
         <p:spPr>
           <a:xfrm>
-            <a:off x="5874318" y="195847"/>
-            <a:ext cx="534121" cy="307777"/>
+            <a:off x="5472782" y="195847"/>
+            <a:ext cx="1280800" cy="307777"/>
           </a:xfrm>
           <a:prstGeom prst="rect">
             <a:avLst/>
@@ -5265,7 +5265,7 @@
                 <a:latin typeface="Arial" panose="020B0604020202020204" pitchFamily="34" charset="0"/>
                 <a:cs typeface="Arial" panose="020B0604020202020204" pitchFamily="34" charset="0"/>
               </a:rPr>
-              <a:t>TPP</a:t>
+              <a:t>TPP or Wallet</a:t>
             </a:r>
             <a:endParaRPr lang="en-US" sz="1400" dirty="0">
               <a:solidFill>
@@ -5279,7 +5279,7 @@
       </p:sp>
       <p:sp>
         <p:nvSpPr>
-          <p:cNvPr id="354" name="Rectangle 353"/>
+          <p:cNvPr id="128" name="Rectangle 127"/>
           <p:cNvSpPr/>
           <p:nvPr/>
         </p:nvSpPr>
@@ -5359,7 +5359,7 @@
       </p:sp>
       <p:sp>
         <p:nvSpPr>
-          <p:cNvPr id="355" name="Rectangle 354"/>
+          <p:cNvPr id="129" name="Rectangle 128"/>
           <p:cNvSpPr/>
           <p:nvPr/>
         </p:nvSpPr>
@@ -5420,7 +5420,7 @@
       </p:sp>
       <p:sp>
         <p:nvSpPr>
-          <p:cNvPr id="356" name="Rectangle 355"/>
+          <p:cNvPr id="130" name="Rectangle 129"/>
           <p:cNvSpPr/>
           <p:nvPr/>
         </p:nvSpPr>
@@ -5481,7 +5481,7 @@
       </p:sp>
       <p:grpSp>
         <p:nvGrpSpPr>
-          <p:cNvPr id="357" name="Group 356"/>
+          <p:cNvPr id="131" name="Group 130"/>
           <p:cNvGrpSpPr/>
           <p:nvPr/>
         </p:nvGrpSpPr>
@@ -5502,7 +5502,7 @@
         </p:grpSpPr>
         <p:sp>
           <p:nvSpPr>
-            <p:cNvPr id="358" name="Rectangle 357"/>
+            <p:cNvPr id="132" name="Rectangle 131"/>
             <p:cNvSpPr/>
             <p:nvPr/>
           </p:nvSpPr>
@@ -5548,7 +5548,7 @@
         </p:sp>
         <p:pic>
           <p:nvPicPr>
-            <p:cNvPr id="359" name="Picture 4" descr="C:\Users\Anders\AppData\Local\Microsoft\Windows\INetCache\IE\YM8GPEOA\mobile[1].png"/>
+            <p:cNvPr id="133" name="Picture 4" descr="C:\Users\Anders\AppData\Local\Microsoft\Windows\INetCache\IE\YM8GPEOA\mobile[1].png"/>
             <p:cNvPicPr>
               <a:picLocks noChangeAspect="1" noChangeArrowheads="1"/>
             </p:cNvPicPr>
@@ -5590,7 +5590,7 @@
         </p:pic>
         <p:sp>
           <p:nvSpPr>
-            <p:cNvPr id="360" name="TextBox 359"/>
+            <p:cNvPr id="134" name="TextBox 133"/>
             <p:cNvSpPr txBox="1"/>
             <p:nvPr/>
           </p:nvSpPr>
@@ -5626,7 +5626,7 @@
         </p:sp>
         <p:grpSp>
           <p:nvGrpSpPr>
-            <p:cNvPr id="361" name="Group 360"/>
+            <p:cNvPr id="135" name="Group 134"/>
             <p:cNvGrpSpPr/>
             <p:nvPr/>
           </p:nvGrpSpPr>
@@ -5640,7 +5640,7 @@
           </p:grpSpPr>
           <p:sp>
             <p:nvSpPr>
-              <p:cNvPr id="362" name="Rectangle 361"/>
+              <p:cNvPr id="136" name="Rectangle 135"/>
               <p:cNvSpPr/>
               <p:nvPr/>
             </p:nvSpPr>
@@ -5690,7 +5690,7 @@
           </p:sp>
           <p:sp>
             <p:nvSpPr>
-              <p:cNvPr id="363" name="Rectangle 362"/>
+              <p:cNvPr id="137" name="Rectangle 136"/>
               <p:cNvSpPr/>
               <p:nvPr/>
             </p:nvSpPr>
@@ -5742,7 +5742,7 @@
       </p:grpSp>
       <p:sp>
         <p:nvSpPr>
-          <p:cNvPr id="364" name="Rectangle 363"/>
+          <p:cNvPr id="138" name="Rectangle 137"/>
           <p:cNvSpPr/>
           <p:nvPr/>
         </p:nvSpPr>
@@ -5846,7 +5846,7 @@
       </p:sp>
       <p:sp>
         <p:nvSpPr>
-          <p:cNvPr id="365" name="Down Arrow 364"/>
+          <p:cNvPr id="139" name="Down Arrow 138"/>
           <p:cNvSpPr/>
           <p:nvPr/>
         </p:nvSpPr>
@@ -5926,7 +5926,7 @@
       </p:sp>
       <p:sp>
         <p:nvSpPr>
-          <p:cNvPr id="366" name="Rectangle 365"/>
+          <p:cNvPr id="140" name="Rectangle 139"/>
           <p:cNvSpPr/>
           <p:nvPr/>
         </p:nvSpPr>
@@ -6014,7 +6014,7 @@
       </p:sp>
       <p:cxnSp>
         <p:nvCxnSpPr>
-          <p:cNvPr id="367" name="Straight Connector 366"/>
+          <p:cNvPr id="141" name="Straight Connector 140"/>
           <p:cNvCxnSpPr/>
           <p:nvPr/>
         </p:nvCxnSpPr>
@@ -6050,7 +6050,7 @@
       </p:cxnSp>
       <p:cxnSp>
         <p:nvCxnSpPr>
-          <p:cNvPr id="368" name="Straight Connector 367"/>
+          <p:cNvPr id="142" name="Straight Connector 141"/>
           <p:cNvCxnSpPr/>
           <p:nvPr/>
         </p:nvCxnSpPr>
@@ -6088,7 +6088,7 @@
       </p:cxnSp>
       <p:sp>
         <p:nvSpPr>
-          <p:cNvPr id="369" name="Rectangle 368"/>
+          <p:cNvPr id="143" name="Rectangle 142"/>
           <p:cNvSpPr/>
           <p:nvPr/>
         </p:nvSpPr>
@@ -6176,7 +6176,7 @@
       </p:sp>
       <p:sp>
         <p:nvSpPr>
-          <p:cNvPr id="370" name="Rectangle 369"/>
+          <p:cNvPr id="144" name="Rectangle 143"/>
           <p:cNvSpPr/>
           <p:nvPr/>
         </p:nvSpPr>
@@ -6264,7 +6264,7 @@
       </p:sp>
       <p:cxnSp>
         <p:nvCxnSpPr>
-          <p:cNvPr id="371" name="Straight Arrow Connector 370"/>
+          <p:cNvPr id="145" name="Straight Arrow Connector 144"/>
           <p:cNvCxnSpPr/>
           <p:nvPr/>
         </p:nvCxnSpPr>
@@ -6300,7 +6300,7 @@
       </p:cxnSp>
       <p:sp>
         <p:nvSpPr>
-          <p:cNvPr id="372" name="Rectangle 371"/>
+          <p:cNvPr id="146" name="Rectangle 145"/>
           <p:cNvSpPr/>
           <p:nvPr/>
         </p:nvSpPr>
@@ -6361,7 +6361,7 @@
       </p:sp>
       <p:sp>
         <p:nvSpPr>
-          <p:cNvPr id="373" name="Rectangle 372"/>
+          <p:cNvPr id="147" name="Rectangle 146"/>
           <p:cNvSpPr/>
           <p:nvPr/>
         </p:nvSpPr>
@@ -6442,7 +6442,7 @@
       </p:sp>
       <p:sp>
         <p:nvSpPr>
-          <p:cNvPr id="374" name="TextBox 373"/>
+          <p:cNvPr id="148" name="TextBox 147"/>
           <p:cNvSpPr txBox="1"/>
           <p:nvPr/>
         </p:nvSpPr>
@@ -6476,7 +6476,7 @@
       </p:sp>
       <p:sp>
         <p:nvSpPr>
-          <p:cNvPr id="375" name="TextBox 374"/>
+          <p:cNvPr id="149" name="TextBox 148"/>
           <p:cNvSpPr txBox="1"/>
           <p:nvPr/>
         </p:nvSpPr>
@@ -6510,7 +6510,7 @@
       </p:sp>
       <p:sp>
         <p:nvSpPr>
-          <p:cNvPr id="376" name="TextBox 375"/>
+          <p:cNvPr id="150" name="TextBox 149"/>
           <p:cNvSpPr txBox="1"/>
           <p:nvPr/>
         </p:nvSpPr>
@@ -6544,7 +6544,7 @@
       </p:sp>
       <p:sp>
         <p:nvSpPr>
-          <p:cNvPr id="377" name="TextBox 376"/>
+          <p:cNvPr id="151" name="TextBox 150"/>
           <p:cNvSpPr txBox="1"/>
           <p:nvPr/>
         </p:nvSpPr>
